--- a/88_VB/202005141008_用VB演示对Auth的理解及代码实现二（原理篇）/Auth权限认证演示图.pptx
+++ b/88_VB/202005141008_用VB演示对Auth的理解及代码实现二（原理篇）/Auth权限认证演示图.pptx
@@ -6,6 +6,7 @@
   </p:sldMasterIdLst>
   <p:sldIdLst>
     <p:sldId id="256" r:id="rId2"/>
+    <p:sldId id="257" r:id="rId3"/>
   </p:sldIdLst>
   <p:sldSz cx="12192000" cy="6858000"/>
   <p:notesSz cx="6858000" cy="9144000"/>
@@ -104,7 +105,24 @@
       </a:defRPr>
     </a:lvl9pPr>
   </p:defaultTextStyle>
+  <p:extLst>
+    <p:ext uri="{EFAFB233-063F-42B5-8137-9DF3F51BA10A}">
+      <p15:sldGuideLst xmlns:p15="http://schemas.microsoft.com/office/powerpoint/2012/main"/>
+    </p:ext>
+  </p:extLst>
 </p:presentation>
+</file>
+
+<file path=ppt/commentAuthors.xml><?xml version="1.0" encoding="utf-8"?>
+<p:cmAuthorLst xmlns:a="http://schemas.openxmlformats.org/drawingml/2006/main" xmlns:r="http://schemas.openxmlformats.org/officeDocument/2006/relationships" xmlns:p="http://schemas.openxmlformats.org/presentationml/2006/main">
+  <p:cmAuthor id="1" name="高 丰华 Fenghua Gao" initials="高" lastIdx="1" clrIdx="0">
+    <p:extLst>
+      <p:ext uri="{19B8F6BF-5375-455C-9EA6-DF929625EA0E}">
+        <p15:presenceInfo xmlns:p15="http://schemas.microsoft.com/office/powerpoint/2012/main" userId="S::CA071215958@gl.alps.com::9f1a9ffe-7874-4e22-87aa-95d9817f4775" providerId="AD"/>
+      </p:ext>
+    </p:extLst>
+  </p:cmAuthor>
+</p:cmAuthorLst>
 </file>
 
 <file path=ppt/slideLayouts/slideLayout1.xml><?xml version="1.0" encoding="utf-8"?>
@@ -5024,6 +5042,848 @@
 </p:sld>
 </file>
 
+<file path=ppt/slides/slide2.xml><?xml version="1.0" encoding="utf-8"?>
+<p:sld xmlns:a="http://schemas.openxmlformats.org/drawingml/2006/main" xmlns:r="http://schemas.openxmlformats.org/officeDocument/2006/relationships" xmlns:p="http://schemas.openxmlformats.org/presentationml/2006/main">
+  <p:cSld>
+    <p:spTree>
+      <p:nvGrpSpPr>
+        <p:cNvPr id="1" name=""/>
+        <p:cNvGrpSpPr/>
+        <p:nvPr/>
+      </p:nvGrpSpPr>
+      <p:grpSpPr>
+        <a:xfrm>
+          <a:off x="0" y="0"/>
+          <a:ext cx="0" cy="0"/>
+          <a:chOff x="0" y="0"/>
+          <a:chExt cx="0" cy="0"/>
+        </a:xfrm>
+      </p:grpSpPr>
+      <p:sp>
+        <p:nvSpPr>
+          <p:cNvPr id="4" name="文本框 3">
+            <a:extLst>
+              <a:ext uri="{FF2B5EF4-FFF2-40B4-BE49-F238E27FC236}">
+                <a16:creationId xmlns:a16="http://schemas.microsoft.com/office/drawing/2014/main" id="{E1FC8E95-6A76-4A69-9CA9-205A3D7158FC}"/>
+              </a:ext>
+            </a:extLst>
+          </p:cNvPr>
+          <p:cNvSpPr txBox="1"/>
+          <p:nvPr/>
+        </p:nvSpPr>
+        <p:spPr>
+          <a:xfrm>
+            <a:off x="1518961" y="3025942"/>
+            <a:ext cx="1691014" cy="369332"/>
+          </a:xfrm>
+          <a:prstGeom prst="rect">
+            <a:avLst/>
+          </a:prstGeom>
+          <a:noFill/>
+        </p:spPr>
+        <p:txBody>
+          <a:bodyPr wrap="square" rtlCol="0">
+            <a:spAutoFit/>
+          </a:bodyPr>
+          <a:lstStyle/>
+          <a:p>
+            <a:r>
+              <a:rPr lang="zh-CN" altLang="en-US" dirty="0"/>
+              <a:t>贾宝玉</a:t>
+            </a:r>
+          </a:p>
+        </p:txBody>
+      </p:sp>
+      <p:sp>
+        <p:nvSpPr>
+          <p:cNvPr id="5" name="文本框 4">
+            <a:extLst>
+              <a:ext uri="{FF2B5EF4-FFF2-40B4-BE49-F238E27FC236}">
+                <a16:creationId xmlns:a16="http://schemas.microsoft.com/office/drawing/2014/main" id="{C001D251-A6C0-4070-BDE3-46122C436B2D}"/>
+              </a:ext>
+            </a:extLst>
+          </p:cNvPr>
+          <p:cNvSpPr txBox="1"/>
+          <p:nvPr/>
+        </p:nvSpPr>
+        <p:spPr>
+          <a:xfrm>
+            <a:off x="1518961" y="3926335"/>
+            <a:ext cx="1691014" cy="369332"/>
+          </a:xfrm>
+          <a:prstGeom prst="rect">
+            <a:avLst/>
+          </a:prstGeom>
+          <a:noFill/>
+        </p:spPr>
+        <p:txBody>
+          <a:bodyPr wrap="square" rtlCol="0">
+            <a:spAutoFit/>
+          </a:bodyPr>
+          <a:lstStyle/>
+          <a:p>
+            <a:r>
+              <a:rPr lang="zh-CN" altLang="en-US" dirty="0"/>
+              <a:t>袭人</a:t>
+            </a:r>
+          </a:p>
+        </p:txBody>
+      </p:sp>
+      <p:sp>
+        <p:nvSpPr>
+          <p:cNvPr id="6" name="文本框 5">
+            <a:extLst>
+              <a:ext uri="{FF2B5EF4-FFF2-40B4-BE49-F238E27FC236}">
+                <a16:creationId xmlns:a16="http://schemas.microsoft.com/office/drawing/2014/main" id="{0A069EF9-6CF8-42E9-AE64-0CE98705F5F7}"/>
+              </a:ext>
+            </a:extLst>
+          </p:cNvPr>
+          <p:cNvSpPr txBox="1"/>
+          <p:nvPr/>
+        </p:nvSpPr>
+        <p:spPr>
+          <a:xfrm>
+            <a:off x="1518961" y="4826728"/>
+            <a:ext cx="1691014" cy="369332"/>
+          </a:xfrm>
+          <a:prstGeom prst="rect">
+            <a:avLst/>
+          </a:prstGeom>
+          <a:noFill/>
+        </p:spPr>
+        <p:txBody>
+          <a:bodyPr wrap="square" rtlCol="0">
+            <a:spAutoFit/>
+          </a:bodyPr>
+          <a:lstStyle/>
+          <a:p>
+            <a:r>
+              <a:rPr lang="zh-CN" altLang="en-US" dirty="0"/>
+              <a:t>秋纹</a:t>
+            </a:r>
+          </a:p>
+        </p:txBody>
+      </p:sp>
+      <p:sp>
+        <p:nvSpPr>
+          <p:cNvPr id="7" name="文本框 6">
+            <a:extLst>
+              <a:ext uri="{FF2B5EF4-FFF2-40B4-BE49-F238E27FC236}">
+                <a16:creationId xmlns:a16="http://schemas.microsoft.com/office/drawing/2014/main" id="{869CC4DF-73F5-4EFC-AC1E-C2C337869C3F}"/>
+              </a:ext>
+            </a:extLst>
+          </p:cNvPr>
+          <p:cNvSpPr txBox="1"/>
+          <p:nvPr/>
+        </p:nvSpPr>
+        <p:spPr>
+          <a:xfrm>
+            <a:off x="4565917" y="3025942"/>
+            <a:ext cx="1691014" cy="369332"/>
+          </a:xfrm>
+          <a:prstGeom prst="rect">
+            <a:avLst/>
+          </a:prstGeom>
+          <a:noFill/>
+        </p:spPr>
+        <p:txBody>
+          <a:bodyPr wrap="square" rtlCol="0">
+            <a:spAutoFit/>
+          </a:bodyPr>
+          <a:lstStyle/>
+          <a:p>
+            <a:r>
+              <a:rPr lang="zh-CN" altLang="en-US" dirty="0"/>
+              <a:t>怡红院通行证</a:t>
+            </a:r>
+          </a:p>
+        </p:txBody>
+      </p:sp>
+      <p:sp>
+        <p:nvSpPr>
+          <p:cNvPr id="10" name="文本框 9">
+            <a:extLst>
+              <a:ext uri="{FF2B5EF4-FFF2-40B4-BE49-F238E27FC236}">
+                <a16:creationId xmlns:a16="http://schemas.microsoft.com/office/drawing/2014/main" id="{D255F8B4-C0C6-4582-8929-375CBFF5E899}"/>
+              </a:ext>
+            </a:extLst>
+          </p:cNvPr>
+          <p:cNvSpPr txBox="1"/>
+          <p:nvPr/>
+        </p:nvSpPr>
+        <p:spPr>
+          <a:xfrm>
+            <a:off x="4565917" y="3926335"/>
+            <a:ext cx="1691014" cy="369332"/>
+          </a:xfrm>
+          <a:prstGeom prst="rect">
+            <a:avLst/>
+          </a:prstGeom>
+          <a:noFill/>
+        </p:spPr>
+        <p:txBody>
+          <a:bodyPr wrap="square" rtlCol="0">
+            <a:spAutoFit/>
+          </a:bodyPr>
+          <a:lstStyle/>
+          <a:p>
+            <a:r>
+              <a:rPr lang="zh-CN" altLang="en-US" dirty="0"/>
+              <a:t>潇湘馆通行证</a:t>
+            </a:r>
+          </a:p>
+        </p:txBody>
+      </p:sp>
+      <p:sp>
+        <p:nvSpPr>
+          <p:cNvPr id="11" name="文本框 10">
+            <a:extLst>
+              <a:ext uri="{FF2B5EF4-FFF2-40B4-BE49-F238E27FC236}">
+                <a16:creationId xmlns:a16="http://schemas.microsoft.com/office/drawing/2014/main" id="{089A3A47-4533-4E7F-90CB-EB5944243AA2}"/>
+              </a:ext>
+            </a:extLst>
+          </p:cNvPr>
+          <p:cNvSpPr txBox="1"/>
+          <p:nvPr/>
+        </p:nvSpPr>
+        <p:spPr>
+          <a:xfrm>
+            <a:off x="4565917" y="4875300"/>
+            <a:ext cx="1691014" cy="369332"/>
+          </a:xfrm>
+          <a:prstGeom prst="rect">
+            <a:avLst/>
+          </a:prstGeom>
+          <a:noFill/>
+        </p:spPr>
+        <p:txBody>
+          <a:bodyPr wrap="square" rtlCol="0">
+            <a:spAutoFit/>
+          </a:bodyPr>
+          <a:lstStyle/>
+          <a:p>
+            <a:r>
+              <a:rPr lang="zh-CN" altLang="en-US" dirty="0"/>
+              <a:t>蘅芜苑通行证</a:t>
+            </a:r>
+          </a:p>
+        </p:txBody>
+      </p:sp>
+      <p:sp>
+        <p:nvSpPr>
+          <p:cNvPr id="12" name="文本框 11">
+            <a:extLst>
+              <a:ext uri="{FF2B5EF4-FFF2-40B4-BE49-F238E27FC236}">
+                <a16:creationId xmlns:a16="http://schemas.microsoft.com/office/drawing/2014/main" id="{424C4BD5-C739-4376-BA06-4A45B7435441}"/>
+              </a:ext>
+            </a:extLst>
+          </p:cNvPr>
+          <p:cNvSpPr txBox="1"/>
+          <p:nvPr/>
+        </p:nvSpPr>
+        <p:spPr>
+          <a:xfrm>
+            <a:off x="8169569" y="3025942"/>
+            <a:ext cx="1691014" cy="369332"/>
+          </a:xfrm>
+          <a:prstGeom prst="rect">
+            <a:avLst/>
+          </a:prstGeom>
+          <a:noFill/>
+        </p:spPr>
+        <p:txBody>
+          <a:bodyPr wrap="square" rtlCol="0">
+            <a:spAutoFit/>
+          </a:bodyPr>
+          <a:lstStyle/>
+          <a:p>
+            <a:r>
+              <a:rPr lang="zh-CN" altLang="en-US" dirty="0"/>
+              <a:t>怡红院</a:t>
+            </a:r>
+          </a:p>
+        </p:txBody>
+      </p:sp>
+      <p:sp>
+        <p:nvSpPr>
+          <p:cNvPr id="13" name="文本框 12">
+            <a:extLst>
+              <a:ext uri="{FF2B5EF4-FFF2-40B4-BE49-F238E27FC236}">
+                <a16:creationId xmlns:a16="http://schemas.microsoft.com/office/drawing/2014/main" id="{8D15F353-5381-4653-A94F-2D2D1463CC63}"/>
+              </a:ext>
+            </a:extLst>
+          </p:cNvPr>
+          <p:cNvSpPr txBox="1"/>
+          <p:nvPr/>
+        </p:nvSpPr>
+        <p:spPr>
+          <a:xfrm>
+            <a:off x="8169569" y="3874095"/>
+            <a:ext cx="1691014" cy="369332"/>
+          </a:xfrm>
+          <a:prstGeom prst="rect">
+            <a:avLst/>
+          </a:prstGeom>
+          <a:noFill/>
+        </p:spPr>
+        <p:txBody>
+          <a:bodyPr wrap="square" rtlCol="0">
+            <a:spAutoFit/>
+          </a:bodyPr>
+          <a:lstStyle/>
+          <a:p>
+            <a:r>
+              <a:rPr lang="zh-CN" altLang="en-US" dirty="0"/>
+              <a:t>潇湘馆</a:t>
+            </a:r>
+          </a:p>
+        </p:txBody>
+      </p:sp>
+      <p:sp>
+        <p:nvSpPr>
+          <p:cNvPr id="14" name="文本框 13">
+            <a:extLst>
+              <a:ext uri="{FF2B5EF4-FFF2-40B4-BE49-F238E27FC236}">
+                <a16:creationId xmlns:a16="http://schemas.microsoft.com/office/drawing/2014/main" id="{18575078-1671-44A6-A49A-82BC2183C921}"/>
+              </a:ext>
+            </a:extLst>
+          </p:cNvPr>
+          <p:cNvSpPr txBox="1"/>
+          <p:nvPr/>
+        </p:nvSpPr>
+        <p:spPr>
+          <a:xfrm>
+            <a:off x="8169569" y="4826728"/>
+            <a:ext cx="1691014" cy="369332"/>
+          </a:xfrm>
+          <a:prstGeom prst="rect">
+            <a:avLst/>
+          </a:prstGeom>
+          <a:noFill/>
+        </p:spPr>
+        <p:txBody>
+          <a:bodyPr wrap="square" rtlCol="0">
+            <a:spAutoFit/>
+          </a:bodyPr>
+          <a:lstStyle/>
+          <a:p>
+            <a:r>
+              <a:rPr lang="zh-CN" altLang="en-US" dirty="0"/>
+              <a:t>蘅芜苑</a:t>
+            </a:r>
+          </a:p>
+        </p:txBody>
+      </p:sp>
+      <p:sp>
+        <p:nvSpPr>
+          <p:cNvPr id="15" name="文本框 14">
+            <a:extLst>
+              <a:ext uri="{FF2B5EF4-FFF2-40B4-BE49-F238E27FC236}">
+                <a16:creationId xmlns:a16="http://schemas.microsoft.com/office/drawing/2014/main" id="{26A56A58-11D0-4FD2-9F43-5B99EC5789C2}"/>
+              </a:ext>
+            </a:extLst>
+          </p:cNvPr>
+          <p:cNvSpPr txBox="1"/>
+          <p:nvPr/>
+        </p:nvSpPr>
+        <p:spPr>
+          <a:xfrm>
+            <a:off x="1518961" y="2099768"/>
+            <a:ext cx="1691014" cy="461665"/>
+          </a:xfrm>
+          <a:prstGeom prst="rect">
+            <a:avLst/>
+          </a:prstGeom>
+          <a:noFill/>
+        </p:spPr>
+        <p:txBody>
+          <a:bodyPr wrap="square" rtlCol="0">
+            <a:spAutoFit/>
+          </a:bodyPr>
+          <a:lstStyle/>
+          <a:p>
+            <a:r>
+              <a:rPr lang="zh-CN" altLang="en-US" sz="2400" b="1" dirty="0"/>
+              <a:t>用户</a:t>
+            </a:r>
+          </a:p>
+        </p:txBody>
+      </p:sp>
+      <p:sp>
+        <p:nvSpPr>
+          <p:cNvPr id="16" name="文本框 15">
+            <a:extLst>
+              <a:ext uri="{FF2B5EF4-FFF2-40B4-BE49-F238E27FC236}">
+                <a16:creationId xmlns:a16="http://schemas.microsoft.com/office/drawing/2014/main" id="{0A5A29E0-809E-4A4C-AB4E-6678AAEA5684}"/>
+              </a:ext>
+            </a:extLst>
+          </p:cNvPr>
+          <p:cNvSpPr txBox="1"/>
+          <p:nvPr/>
+        </p:nvSpPr>
+        <p:spPr>
+          <a:xfrm>
+            <a:off x="4565917" y="2099768"/>
+            <a:ext cx="1691014" cy="461665"/>
+          </a:xfrm>
+          <a:prstGeom prst="rect">
+            <a:avLst/>
+          </a:prstGeom>
+          <a:noFill/>
+        </p:spPr>
+        <p:txBody>
+          <a:bodyPr wrap="square" rtlCol="0">
+            <a:spAutoFit/>
+          </a:bodyPr>
+          <a:lstStyle/>
+          <a:p>
+            <a:r>
+              <a:rPr lang="zh-CN" altLang="en-US" sz="2400" b="1" dirty="0"/>
+              <a:t>角色</a:t>
+            </a:r>
+          </a:p>
+        </p:txBody>
+      </p:sp>
+      <p:sp>
+        <p:nvSpPr>
+          <p:cNvPr id="17" name="文本框 16">
+            <a:extLst>
+              <a:ext uri="{FF2B5EF4-FFF2-40B4-BE49-F238E27FC236}">
+                <a16:creationId xmlns:a16="http://schemas.microsoft.com/office/drawing/2014/main" id="{6F460954-CA28-49BD-88D8-273997BC4228}"/>
+              </a:ext>
+            </a:extLst>
+          </p:cNvPr>
+          <p:cNvSpPr txBox="1"/>
+          <p:nvPr/>
+        </p:nvSpPr>
+        <p:spPr>
+          <a:xfrm>
+            <a:off x="8169569" y="2099768"/>
+            <a:ext cx="1691014" cy="461665"/>
+          </a:xfrm>
+          <a:prstGeom prst="rect">
+            <a:avLst/>
+          </a:prstGeom>
+          <a:noFill/>
+        </p:spPr>
+        <p:txBody>
+          <a:bodyPr wrap="square" rtlCol="0">
+            <a:spAutoFit/>
+          </a:bodyPr>
+          <a:lstStyle/>
+          <a:p>
+            <a:r>
+              <a:rPr lang="zh-CN" altLang="en-US" sz="2400" b="1" dirty="0"/>
+              <a:t>权限</a:t>
+            </a:r>
+          </a:p>
+        </p:txBody>
+      </p:sp>
+      <p:cxnSp>
+        <p:nvCxnSpPr>
+          <p:cNvPr id="18" name="直接箭头连接符 17">
+            <a:extLst>
+              <a:ext uri="{FF2B5EF4-FFF2-40B4-BE49-F238E27FC236}">
+                <a16:creationId xmlns:a16="http://schemas.microsoft.com/office/drawing/2014/main" id="{FC05D998-FF73-4ED8-9A56-6AF7A45E0E17}"/>
+              </a:ext>
+            </a:extLst>
+          </p:cNvPr>
+          <p:cNvCxnSpPr>
+            <a:cxnSpLocks/>
+            <a:endCxn id="7" idx="1"/>
+          </p:cNvCxnSpPr>
+          <p:nvPr/>
+        </p:nvCxnSpPr>
+        <p:spPr>
+          <a:xfrm>
+            <a:off x="2451429" y="3207896"/>
+            <a:ext cx="2114488" cy="2712"/>
+          </a:xfrm>
+          <a:prstGeom prst="straightConnector1">
+            <a:avLst/>
+          </a:prstGeom>
+          <a:ln w="50800">
+            <a:solidFill>
+              <a:srgbClr val="FF0000"/>
+            </a:solidFill>
+            <a:tailEnd type="triangle"/>
+          </a:ln>
+        </p:spPr>
+        <p:style>
+          <a:lnRef idx="1">
+            <a:schemeClr val="accent1"/>
+          </a:lnRef>
+          <a:fillRef idx="0">
+            <a:schemeClr val="accent1"/>
+          </a:fillRef>
+          <a:effectRef idx="0">
+            <a:schemeClr val="accent1"/>
+          </a:effectRef>
+          <a:fontRef idx="minor">
+            <a:schemeClr val="tx1"/>
+          </a:fontRef>
+        </p:style>
+      </p:cxnSp>
+      <p:cxnSp>
+        <p:nvCxnSpPr>
+          <p:cNvPr id="20" name="直接箭头连接符 19">
+            <a:extLst>
+              <a:ext uri="{FF2B5EF4-FFF2-40B4-BE49-F238E27FC236}">
+                <a16:creationId xmlns:a16="http://schemas.microsoft.com/office/drawing/2014/main" id="{0F791BF1-0089-403D-B2F0-D25984035DAE}"/>
+              </a:ext>
+            </a:extLst>
+          </p:cNvPr>
+          <p:cNvCxnSpPr>
+            <a:cxnSpLocks/>
+          </p:cNvCxnSpPr>
+          <p:nvPr/>
+        </p:nvCxnSpPr>
+        <p:spPr>
+          <a:xfrm>
+            <a:off x="2451429" y="4111858"/>
+            <a:ext cx="2007837" cy="0"/>
+          </a:xfrm>
+          <a:prstGeom prst="straightConnector1">
+            <a:avLst/>
+          </a:prstGeom>
+          <a:ln w="50800">
+            <a:solidFill>
+              <a:srgbClr val="00B050"/>
+            </a:solidFill>
+            <a:tailEnd type="triangle"/>
+          </a:ln>
+        </p:spPr>
+        <p:style>
+          <a:lnRef idx="1">
+            <a:schemeClr val="accent1"/>
+          </a:lnRef>
+          <a:fillRef idx="0">
+            <a:schemeClr val="accent1"/>
+          </a:fillRef>
+          <a:effectRef idx="0">
+            <a:schemeClr val="accent1"/>
+          </a:effectRef>
+          <a:fontRef idx="minor">
+            <a:schemeClr val="tx1"/>
+          </a:fontRef>
+        </p:style>
+      </p:cxnSp>
+      <p:cxnSp>
+        <p:nvCxnSpPr>
+          <p:cNvPr id="21" name="直接箭头连接符 20">
+            <a:extLst>
+              <a:ext uri="{FF2B5EF4-FFF2-40B4-BE49-F238E27FC236}">
+                <a16:creationId xmlns:a16="http://schemas.microsoft.com/office/drawing/2014/main" id="{9A297BEA-6555-4810-913D-FB97C567E5E3}"/>
+              </a:ext>
+            </a:extLst>
+          </p:cNvPr>
+          <p:cNvCxnSpPr>
+            <a:cxnSpLocks/>
+            <a:endCxn id="7" idx="1"/>
+          </p:cNvCxnSpPr>
+          <p:nvPr/>
+        </p:nvCxnSpPr>
+        <p:spPr>
+          <a:xfrm flipV="1">
+            <a:off x="2451429" y="3210608"/>
+            <a:ext cx="2114488" cy="1873582"/>
+          </a:xfrm>
+          <a:prstGeom prst="straightConnector1">
+            <a:avLst/>
+          </a:prstGeom>
+          <a:ln w="50800">
+            <a:solidFill>
+              <a:srgbClr val="7030A0"/>
+            </a:solidFill>
+            <a:tailEnd type="triangle"/>
+          </a:ln>
+        </p:spPr>
+        <p:style>
+          <a:lnRef idx="1">
+            <a:schemeClr val="accent1"/>
+          </a:lnRef>
+          <a:fillRef idx="0">
+            <a:schemeClr val="accent1"/>
+          </a:fillRef>
+          <a:effectRef idx="0">
+            <a:schemeClr val="accent1"/>
+          </a:effectRef>
+          <a:fontRef idx="minor">
+            <a:schemeClr val="tx1"/>
+          </a:fontRef>
+        </p:style>
+      </p:cxnSp>
+      <p:cxnSp>
+        <p:nvCxnSpPr>
+          <p:cNvPr id="22" name="直接箭头连接符 21">
+            <a:extLst>
+              <a:ext uri="{FF2B5EF4-FFF2-40B4-BE49-F238E27FC236}">
+                <a16:creationId xmlns:a16="http://schemas.microsoft.com/office/drawing/2014/main" id="{2294C068-5614-4445-A5BD-1FFDDD81F958}"/>
+              </a:ext>
+            </a:extLst>
+          </p:cNvPr>
+          <p:cNvCxnSpPr>
+            <a:cxnSpLocks/>
+            <a:endCxn id="10" idx="1"/>
+          </p:cNvCxnSpPr>
+          <p:nvPr/>
+        </p:nvCxnSpPr>
+        <p:spPr>
+          <a:xfrm>
+            <a:off x="2451429" y="3207896"/>
+            <a:ext cx="2114488" cy="903105"/>
+          </a:xfrm>
+          <a:prstGeom prst="straightConnector1">
+            <a:avLst/>
+          </a:prstGeom>
+          <a:ln w="50800">
+            <a:solidFill>
+              <a:srgbClr val="FF0000"/>
+            </a:solidFill>
+            <a:tailEnd type="triangle"/>
+          </a:ln>
+        </p:spPr>
+        <p:style>
+          <a:lnRef idx="1">
+            <a:schemeClr val="accent1"/>
+          </a:lnRef>
+          <a:fillRef idx="0">
+            <a:schemeClr val="accent1"/>
+          </a:fillRef>
+          <a:effectRef idx="0">
+            <a:schemeClr val="accent1"/>
+          </a:effectRef>
+          <a:fontRef idx="minor">
+            <a:schemeClr val="tx1"/>
+          </a:fontRef>
+        </p:style>
+      </p:cxnSp>
+      <p:cxnSp>
+        <p:nvCxnSpPr>
+          <p:cNvPr id="24" name="直接箭头连接符 23">
+            <a:extLst>
+              <a:ext uri="{FF2B5EF4-FFF2-40B4-BE49-F238E27FC236}">
+                <a16:creationId xmlns:a16="http://schemas.microsoft.com/office/drawing/2014/main" id="{9460E925-0813-4E45-96A3-71CD73A52A0F}"/>
+              </a:ext>
+            </a:extLst>
+          </p:cNvPr>
+          <p:cNvCxnSpPr>
+            <a:cxnSpLocks/>
+            <a:endCxn id="11" idx="1"/>
+          </p:cNvCxnSpPr>
+          <p:nvPr/>
+        </p:nvCxnSpPr>
+        <p:spPr>
+          <a:xfrm>
+            <a:off x="2451429" y="3207039"/>
+            <a:ext cx="2114488" cy="1852927"/>
+          </a:xfrm>
+          <a:prstGeom prst="straightConnector1">
+            <a:avLst/>
+          </a:prstGeom>
+          <a:ln w="50800">
+            <a:solidFill>
+              <a:srgbClr val="FF0000"/>
+            </a:solidFill>
+            <a:tailEnd type="triangle"/>
+          </a:ln>
+        </p:spPr>
+        <p:style>
+          <a:lnRef idx="1">
+            <a:schemeClr val="accent1"/>
+          </a:lnRef>
+          <a:fillRef idx="0">
+            <a:schemeClr val="accent1"/>
+          </a:fillRef>
+          <a:effectRef idx="0">
+            <a:schemeClr val="accent1"/>
+          </a:effectRef>
+          <a:fontRef idx="minor">
+            <a:schemeClr val="tx1"/>
+          </a:fontRef>
+        </p:style>
+      </p:cxnSp>
+      <p:cxnSp>
+        <p:nvCxnSpPr>
+          <p:cNvPr id="29" name="直接箭头连接符 28">
+            <a:extLst>
+              <a:ext uri="{FF2B5EF4-FFF2-40B4-BE49-F238E27FC236}">
+                <a16:creationId xmlns:a16="http://schemas.microsoft.com/office/drawing/2014/main" id="{53B54D62-E7AD-4594-A4EB-96FBE75A452D}"/>
+              </a:ext>
+            </a:extLst>
+          </p:cNvPr>
+          <p:cNvCxnSpPr>
+            <a:cxnSpLocks/>
+          </p:cNvCxnSpPr>
+          <p:nvPr/>
+        </p:nvCxnSpPr>
+        <p:spPr>
+          <a:xfrm>
+            <a:off x="6099453" y="3193514"/>
+            <a:ext cx="2007837" cy="0"/>
+          </a:xfrm>
+          <a:prstGeom prst="straightConnector1">
+            <a:avLst/>
+          </a:prstGeom>
+          <a:ln w="50800">
+            <a:tailEnd type="triangle"/>
+          </a:ln>
+        </p:spPr>
+        <p:style>
+          <a:lnRef idx="1">
+            <a:schemeClr val="accent1"/>
+          </a:lnRef>
+          <a:fillRef idx="0">
+            <a:schemeClr val="accent1"/>
+          </a:fillRef>
+          <a:effectRef idx="0">
+            <a:schemeClr val="accent1"/>
+          </a:effectRef>
+          <a:fontRef idx="minor">
+            <a:schemeClr val="tx1"/>
+          </a:fontRef>
+        </p:style>
+      </p:cxnSp>
+      <p:cxnSp>
+        <p:nvCxnSpPr>
+          <p:cNvPr id="30" name="直接箭头连接符 29">
+            <a:extLst>
+              <a:ext uri="{FF2B5EF4-FFF2-40B4-BE49-F238E27FC236}">
+                <a16:creationId xmlns:a16="http://schemas.microsoft.com/office/drawing/2014/main" id="{0C8CE741-5CA3-42E3-A469-A37EE4852D28}"/>
+              </a:ext>
+            </a:extLst>
+          </p:cNvPr>
+          <p:cNvCxnSpPr>
+            <a:cxnSpLocks/>
+          </p:cNvCxnSpPr>
+          <p:nvPr/>
+        </p:nvCxnSpPr>
+        <p:spPr>
+          <a:xfrm>
+            <a:off x="6099453" y="4111001"/>
+            <a:ext cx="2007837" cy="0"/>
+          </a:xfrm>
+          <a:prstGeom prst="straightConnector1">
+            <a:avLst/>
+          </a:prstGeom>
+          <a:ln w="50800">
+            <a:tailEnd type="triangle"/>
+          </a:ln>
+        </p:spPr>
+        <p:style>
+          <a:lnRef idx="1">
+            <a:schemeClr val="accent1"/>
+          </a:lnRef>
+          <a:fillRef idx="0">
+            <a:schemeClr val="accent1"/>
+          </a:fillRef>
+          <a:effectRef idx="0">
+            <a:schemeClr val="accent1"/>
+          </a:effectRef>
+          <a:fontRef idx="minor">
+            <a:schemeClr val="tx1"/>
+          </a:fontRef>
+        </p:style>
+      </p:cxnSp>
+      <p:cxnSp>
+        <p:nvCxnSpPr>
+          <p:cNvPr id="31" name="直接箭头连接符 30">
+            <a:extLst>
+              <a:ext uri="{FF2B5EF4-FFF2-40B4-BE49-F238E27FC236}">
+                <a16:creationId xmlns:a16="http://schemas.microsoft.com/office/drawing/2014/main" id="{A237FB2E-68CA-4DA5-B914-ED5AD9808477}"/>
+              </a:ext>
+            </a:extLst>
+          </p:cNvPr>
+          <p:cNvCxnSpPr>
+            <a:cxnSpLocks/>
+          </p:cNvCxnSpPr>
+          <p:nvPr/>
+        </p:nvCxnSpPr>
+        <p:spPr>
+          <a:xfrm>
+            <a:off x="6099453" y="5084190"/>
+            <a:ext cx="2007837" cy="0"/>
+          </a:xfrm>
+          <a:prstGeom prst="straightConnector1">
+            <a:avLst/>
+          </a:prstGeom>
+          <a:ln w="50800">
+            <a:tailEnd type="triangle"/>
+          </a:ln>
+        </p:spPr>
+        <p:style>
+          <a:lnRef idx="1">
+            <a:schemeClr val="accent1"/>
+          </a:lnRef>
+          <a:fillRef idx="0">
+            <a:schemeClr val="accent1"/>
+          </a:fillRef>
+          <a:effectRef idx="0">
+            <a:schemeClr val="accent1"/>
+          </a:effectRef>
+          <a:fontRef idx="minor">
+            <a:schemeClr val="tx1"/>
+          </a:fontRef>
+        </p:style>
+      </p:cxnSp>
+      <p:cxnSp>
+        <p:nvCxnSpPr>
+          <p:cNvPr id="34" name="直接箭头连接符 33">
+            <a:extLst>
+              <a:ext uri="{FF2B5EF4-FFF2-40B4-BE49-F238E27FC236}">
+                <a16:creationId xmlns:a16="http://schemas.microsoft.com/office/drawing/2014/main" id="{67C19BC4-7309-4A09-93BD-5AF1B40336F6}"/>
+              </a:ext>
+            </a:extLst>
+          </p:cNvPr>
+          <p:cNvCxnSpPr>
+            <a:cxnSpLocks/>
+            <a:endCxn id="7" idx="1"/>
+          </p:cNvCxnSpPr>
+          <p:nvPr/>
+        </p:nvCxnSpPr>
+        <p:spPr>
+          <a:xfrm flipV="1">
+            <a:off x="2451429" y="3210608"/>
+            <a:ext cx="2114488" cy="922605"/>
+          </a:xfrm>
+          <a:prstGeom prst="straightConnector1">
+            <a:avLst/>
+          </a:prstGeom>
+          <a:ln w="50800">
+            <a:solidFill>
+              <a:srgbClr val="00B050"/>
+            </a:solidFill>
+            <a:tailEnd type="triangle"/>
+          </a:ln>
+        </p:spPr>
+        <p:style>
+          <a:lnRef idx="1">
+            <a:schemeClr val="accent1"/>
+          </a:lnRef>
+          <a:fillRef idx="0">
+            <a:schemeClr val="accent1"/>
+          </a:fillRef>
+          <a:effectRef idx="0">
+            <a:schemeClr val="accent1"/>
+          </a:effectRef>
+          <a:fontRef idx="minor">
+            <a:schemeClr val="tx1"/>
+          </a:fontRef>
+        </p:style>
+      </p:cxnSp>
+    </p:spTree>
+    <p:extLst>
+      <p:ext uri="{BB962C8B-B14F-4D97-AF65-F5344CB8AC3E}">
+        <p14:creationId xmlns:p14="http://schemas.microsoft.com/office/powerpoint/2010/main" val="1227537869"/>
+      </p:ext>
+    </p:extLst>
+  </p:cSld>
+  <p:clrMapOvr>
+    <a:masterClrMapping/>
+  </p:clrMapOvr>
+</p:sld>
+</file>
+
 <file path=ppt/theme/theme1.xml><?xml version="1.0" encoding="utf-8"?>
 <a:theme xmlns:a="http://schemas.openxmlformats.org/drawingml/2006/main" name="Office 主题​​">
   <a:themeElements>
